--- a/aws-rds/aws-rds.pptx
+++ b/aws-rds/aws-rds.pptx
@@ -115,6 +115,22 @@
       </a:defRPr>
     </a:lvl9pPr>
   </p:defaultTextStyle>
+  <p:extLst>
+    <p:ext uri="{EFAFB233-063F-42B5-8137-9DF3F51BA10A}">
+      <p15:sldGuideLst xmlns:p15="http://schemas.microsoft.com/office/powerpoint/2012/main">
+        <p15:guide id="1" orient="horz" pos="2160">
+          <p15:clr>
+            <a:srgbClr val="A4A3A4"/>
+          </p15:clr>
+        </p15:guide>
+        <p15:guide id="2" pos="2880">
+          <p15:clr>
+            <a:srgbClr val="A4A3A4"/>
+          </p15:clr>
+        </p15:guide>
+      </p15:sldGuideLst>
+    </p:ext>
+  </p:extLst>
 </p:presentation>
 </file>
 
@@ -200,7 +216,7 @@
           <a:p>
             <a:fld id="{1B6676A5-1300-B945-98B1-DD92DDC3A3CB}" type="datetimeFigureOut">
               <a:rPr lang="en-US" smtClean="0"/>
-              <a:t>4/20/15</a:t>
+              <a:t>11/22/15</a:t>
             </a:fld>
             <a:endParaRPr lang="en-US"/>
           </a:p>
@@ -512,6 +528,48 @@
           <a:bodyPr/>
           <a:lstStyle/>
           <a:p>
+            <a:pPr marL="171450" indent="-171450">
+              <a:buFont typeface="Arial" charset="0"/>
+              <a:buChar char="•"/>
+            </a:pPr>
+            <a:r>
+              <a:rPr lang="en-US" dirty="0" smtClean="0"/>
+              <a:t>6 TB Limit:</a:t>
+            </a:r>
+          </a:p>
+          <a:p>
+            <a:pPr marL="628650" lvl="1" indent="-171450">
+              <a:buFont typeface="Arial" charset="0"/>
+              <a:buChar char="•"/>
+            </a:pPr>
+            <a:r>
+              <a:rPr lang="en-US" dirty="0" smtClean="0"/>
+              <a:t>https://</a:t>
+            </a:r>
+            <a:r>
+              <a:rPr lang="en-US" dirty="0" err="1" smtClean="0"/>
+              <a:t>aws.amazon.com</a:t>
+            </a:r>
+            <a:r>
+              <a:rPr lang="en-US" dirty="0" smtClean="0"/>
+              <a:t>/about-</a:t>
+            </a:r>
+            <a:r>
+              <a:rPr lang="en-US" dirty="0" err="1" smtClean="0"/>
+              <a:t>aws</a:t>
+            </a:r>
+            <a:r>
+              <a:rPr lang="en-US" dirty="0" smtClean="0"/>
+              <a:t>/</a:t>
+            </a:r>
+            <a:r>
+              <a:rPr lang="en-US" dirty="0" err="1" smtClean="0"/>
+              <a:t>whats</a:t>
+            </a:r>
+            <a:r>
+              <a:rPr lang="en-US" dirty="0" smtClean="0"/>
+              <a:t>-new/2015/06/amazon-rds-increases-storage-limits-to-6TB-for-piops-and-gp2/</a:t>
+            </a:r>
             <a:endParaRPr lang="en-US" dirty="0" smtClean="0"/>
           </a:p>
         </p:txBody>
@@ -3331,7 +3389,7 @@
           <a:p>
             <a:fld id="{7CE38E4D-051A-41E1-86A4-E56916468FD0}" type="datetimeFigureOut">
               <a:rPr lang="en-US" smtClean="0"/>
-              <a:t>4/20/15</a:t>
+              <a:t>11/22/15</a:t>
             </a:fld>
             <a:endParaRPr lang="en-US"/>
           </a:p>
@@ -3512,7 +3570,7 @@
           <a:p>
             <a:fld id="{7CE38E4D-051A-41E1-86A4-E56916468FD0}" type="datetimeFigureOut">
               <a:rPr lang="en-US" smtClean="0"/>
-              <a:t>4/20/15</a:t>
+              <a:t>11/22/15</a:t>
             </a:fld>
             <a:endParaRPr lang="en-US"/>
           </a:p>
@@ -3663,7 +3721,7 @@
           <a:p>
             <a:fld id="{7CE38E4D-051A-41E1-86A4-E56916468FD0}" type="datetimeFigureOut">
               <a:rPr lang="en-US" smtClean="0"/>
-              <a:t>4/20/15</a:t>
+              <a:t>11/22/15</a:t>
             </a:fld>
             <a:endParaRPr lang="en-US"/>
           </a:p>
@@ -5489,7 +5547,7 @@
           <a:p>
             <a:fld id="{7CE38E4D-051A-41E1-86A4-E56916468FD0}" type="datetimeFigureOut">
               <a:rPr lang="en-US" smtClean="0"/>
-              <a:t>4/20/15</a:t>
+              <a:t>11/22/15</a:t>
             </a:fld>
             <a:endParaRPr lang="en-US"/>
           </a:p>
@@ -7359,7 +7417,7 @@
           <a:p>
             <a:fld id="{7CE38E4D-051A-41E1-86A4-E56916468FD0}" type="datetimeFigureOut">
               <a:rPr lang="en-US" smtClean="0"/>
-              <a:t>4/20/15</a:t>
+              <a:t>11/22/15</a:t>
             </a:fld>
             <a:endParaRPr lang="en-US"/>
           </a:p>
@@ -7472,7 +7530,7 @@
           <a:p>
             <a:fld id="{7CE38E4D-051A-41E1-86A4-E56916468FD0}" type="datetimeFigureOut">
               <a:rPr lang="en-US" smtClean="0"/>
-              <a:t>4/20/15</a:t>
+              <a:t>11/22/15</a:t>
             </a:fld>
             <a:endParaRPr lang="en-US"/>
           </a:p>
@@ -8013,7 +8071,7 @@
           <a:p>
             <a:fld id="{7CE38E4D-051A-41E1-86A4-E56916468FD0}" type="datetimeFigureOut">
               <a:rPr lang="en-US" smtClean="0"/>
-              <a:t>4/20/15</a:t>
+              <a:t>11/22/15</a:t>
             </a:fld>
             <a:endParaRPr lang="en-US"/>
           </a:p>
@@ -8126,7 +8184,7 @@
           <a:p>
             <a:fld id="{7CE38E4D-051A-41E1-86A4-E56916468FD0}" type="datetimeFigureOut">
               <a:rPr lang="en-US" smtClean="0"/>
-              <a:t>4/20/15</a:t>
+              <a:t>11/22/15</a:t>
             </a:fld>
             <a:endParaRPr lang="en-US"/>
           </a:p>
@@ -9837,7 +9895,7 @@
           <a:p>
             <a:fld id="{7CE38E4D-051A-41E1-86A4-E56916468FD0}" type="datetimeFigureOut">
               <a:rPr lang="en-US" smtClean="0"/>
-              <a:t>4/20/15</a:t>
+              <a:t>11/22/15</a:t>
             </a:fld>
             <a:endParaRPr lang="en-US"/>
           </a:p>
@@ -9988,7 +10046,7 @@
           <a:p>
             <a:fld id="{7CE38E4D-051A-41E1-86A4-E56916468FD0}" type="datetimeFigureOut">
               <a:rPr lang="en-US" smtClean="0"/>
-              <a:t>4/20/15</a:t>
+              <a:t>11/22/15</a:t>
             </a:fld>
             <a:endParaRPr lang="en-US"/>
           </a:p>
@@ -13603,7 +13661,7 @@
           <a:p>
             <a:fld id="{7CE38E4D-051A-41E1-86A4-E56916468FD0}" type="datetimeFigureOut">
               <a:rPr lang="en-US" smtClean="0"/>
-              <a:t>4/20/15</a:t>
+              <a:t>11/22/15</a:t>
             </a:fld>
             <a:endParaRPr lang="en-US"/>
           </a:p>
@@ -15462,7 +15520,7 @@
           <a:p>
             <a:fld id="{7CE38E4D-051A-41E1-86A4-E56916468FD0}" type="datetimeFigureOut">
               <a:rPr lang="en-US" smtClean="0"/>
-              <a:t>4/20/15</a:t>
+              <a:t>11/22/15</a:t>
             </a:fld>
             <a:endParaRPr lang="en-US"/>
           </a:p>
@@ -15997,11 +16055,7 @@
           <a:p>
             <a:r>
               <a:rPr lang="en-US" dirty="0" smtClean="0"/>
-              <a:t>AWS </a:t>
-            </a:r>
-            <a:r>
-              <a:rPr lang="en-US" dirty="0" smtClean="0"/>
-              <a:t>RDS</a:t>
+              <a:t>AWS RDS</a:t>
             </a:r>
             <a:br>
               <a:rPr lang="en-US" dirty="0" smtClean="0"/>
@@ -16041,13 +16095,8 @@
           <a:p>
             <a:r>
               <a:rPr lang="en-US" dirty="0" smtClean="0"/>
-              <a:t>Created By Colin </a:t>
-            </a:r>
-            <a:r>
-              <a:rPr lang="en-US" dirty="0" smtClean="0"/>
-              <a:t>Johnson</a:t>
-            </a:r>
-            <a:endParaRPr lang="en-US" dirty="0" smtClean="0"/>
+              <a:t>Created By Colin Johnson</a:t>
+            </a:r>
           </a:p>
         </p:txBody>
       </p:sp>
@@ -16072,7 +16121,7 @@
   <p:timing>
     <p:tnLst>
       <p:par>
-        <p:cTn xmlns:p14="http://schemas.microsoft.com/office/powerpoint/2010/main" id="1" dur="indefinite" restart="never" nodeType="tmRoot"/>
+        <p:cTn id="1" dur="indefinite" restart="never" nodeType="tmRoot"/>
       </p:par>
     </p:tnLst>
   </p:timing>
@@ -16162,8 +16211,35 @@
           <a:p>
             <a:r>
               <a:rPr lang="en-US" dirty="0"/>
-              <a:t>Capacity Limits: 3 TB, 30,000 IOPS</a:t>
-            </a:r>
+              <a:t>Capacity Limits: </a:t>
+            </a:r>
+            <a:r>
+              <a:rPr lang="en-US" dirty="0" smtClean="0"/>
+              <a:t>vary by SQL server engine, but:</a:t>
+            </a:r>
+          </a:p>
+          <a:p>
+            <a:pPr lvl="1"/>
+            <a:r>
+              <a:rPr lang="en-US" dirty="0"/>
+              <a:t>U</a:t>
+            </a:r>
+            <a:r>
+              <a:rPr lang="en-US" dirty="0" smtClean="0"/>
+              <a:t>p 6 TB</a:t>
+            </a:r>
+          </a:p>
+          <a:p>
+            <a:pPr lvl="1"/>
+            <a:r>
+              <a:rPr lang="en-US" dirty="0" smtClean="0"/>
+              <a:t>Up to </a:t>
+            </a:r>
+            <a:r>
+              <a:rPr lang="en-US" dirty="0" smtClean="0"/>
+              <a:t>30,000 IOPS</a:t>
+            </a:r>
+            <a:endParaRPr lang="en-US" dirty="0"/>
           </a:p>
           <a:p>
             <a:endParaRPr lang="en-US" dirty="0" smtClean="0"/>
@@ -16206,7 +16282,7 @@
   <p:timing>
     <p:tnLst>
       <p:par>
-        <p:cTn xmlns:p14="http://schemas.microsoft.com/office/powerpoint/2010/main" id="1" dur="indefinite" restart="never" nodeType="tmRoot"/>
+        <p:cTn id="1" dur="indefinite" restart="never" nodeType="tmRoot"/>
       </p:par>
     </p:tnLst>
   </p:timing>
@@ -16328,7 +16404,7 @@
   <p:timing>
     <p:tnLst>
       <p:par>
-        <p:cTn xmlns:p14="http://schemas.microsoft.com/office/powerpoint/2010/main" id="1" dur="indefinite" restart="never" nodeType="tmRoot"/>
+        <p:cTn id="1" dur="indefinite" restart="never" nodeType="tmRoot"/>
       </p:par>
     </p:tnLst>
   </p:timing>
@@ -16466,7 +16542,7 @@
   <p:timing>
     <p:tnLst>
       <p:par>
-        <p:cTn xmlns:p14="http://schemas.microsoft.com/office/powerpoint/2010/main" id="1" dur="indefinite" restart="never" nodeType="tmRoot"/>
+        <p:cTn id="1" dur="indefinite" restart="never" nodeType="tmRoot"/>
       </p:par>
     </p:tnLst>
   </p:timing>
@@ -16607,7 +16683,7 @@
   <p:timing>
     <p:tnLst>
       <p:par>
-        <p:cTn xmlns:p14="http://schemas.microsoft.com/office/powerpoint/2010/main" id="1" dur="indefinite" restart="never" nodeType="tmRoot"/>
+        <p:cTn id="1" dur="indefinite" restart="never" nodeType="tmRoot"/>
       </p:par>
     </p:tnLst>
   </p:timing>
@@ -16736,7 +16812,7 @@
   <p:timing>
     <p:tnLst>
       <p:par>
-        <p:cTn xmlns:p14="http://schemas.microsoft.com/office/powerpoint/2010/main" id="1" dur="indefinite" restart="never" nodeType="tmRoot"/>
+        <p:cTn id="1" dur="indefinite" restart="never" nodeType="tmRoot"/>
       </p:par>
     </p:tnLst>
   </p:timing>
@@ -16863,7 +16939,7 @@
   <p:timing>
     <p:tnLst>
       <p:par>
-        <p:cTn xmlns:p14="http://schemas.microsoft.com/office/powerpoint/2010/main" id="1" dur="indefinite" restart="never" nodeType="tmRoot"/>
+        <p:cTn id="1" dur="indefinite" restart="never" nodeType="tmRoot"/>
       </p:par>
     </p:tnLst>
   </p:timing>
@@ -16959,7 +17035,7 @@
   <p:timing>
     <p:tnLst>
       <p:par>
-        <p:cTn xmlns:p14="http://schemas.microsoft.com/office/powerpoint/2010/main" id="1" dur="indefinite" restart="never" nodeType="tmRoot"/>
+        <p:cTn id="1" dur="indefinite" restart="never" nodeType="tmRoot"/>
       </p:par>
     </p:tnLst>
   </p:timing>
@@ -17097,7 +17173,7 @@
   <p:timing>
     <p:tnLst>
       <p:par>
-        <p:cTn xmlns:p14="http://schemas.microsoft.com/office/powerpoint/2010/main" id="1" dur="indefinite" restart="never" nodeType="tmRoot"/>
+        <p:cTn id="1" dur="indefinite" restart="never" nodeType="tmRoot"/>
       </p:par>
     </p:tnLst>
   </p:timing>

--- a/aws-rds/aws-rds.pptx
+++ b/aws-rds/aws-rds.pptx
@@ -5,18 +5,19 @@
     <p:sldMasterId id="2147483677" r:id="rId1"/>
   </p:sldMasterIdLst>
   <p:notesMasterIdLst>
-    <p:notesMasterId r:id="rId11"/>
+    <p:notesMasterId r:id="rId12"/>
   </p:notesMasterIdLst>
   <p:sldIdLst>
     <p:sldId id="293" r:id="rId2"/>
     <p:sldId id="277" r:id="rId3"/>
     <p:sldId id="286" r:id="rId4"/>
     <p:sldId id="287" r:id="rId5"/>
-    <p:sldId id="290" r:id="rId6"/>
-    <p:sldId id="289" r:id="rId7"/>
+    <p:sldId id="294" r:id="rId6"/>
+    <p:sldId id="290" r:id="rId7"/>
     <p:sldId id="291" r:id="rId8"/>
     <p:sldId id="292" r:id="rId9"/>
     <p:sldId id="288" r:id="rId10"/>
+    <p:sldId id="289" r:id="rId11"/>
   </p:sldIdLst>
   <p:sldSz cx="9144000" cy="6858000" type="screen4x3"/>
   <p:notesSz cx="6858000" cy="9144000"/>
@@ -216,7 +217,7 @@
           <a:p>
             <a:fld id="{1B6676A5-1300-B945-98B1-DD92DDC3A3CB}" type="datetimeFigureOut">
               <a:rPr lang="en-US" smtClean="0"/>
-              <a:t>11/22/15</a:t>
+              <a:t>12/2/15</a:t>
             </a:fld>
             <a:endParaRPr lang="en-US"/>
           </a:p>
@@ -570,7 +571,6 @@
               <a:rPr lang="en-US" dirty="0" smtClean="0"/>
               <a:t>-new/2015/06/amazon-rds-increases-storage-limits-to-6TB-for-piops-and-gp2/</a:t>
             </a:r>
-            <a:endParaRPr lang="en-US" dirty="0" smtClean="0"/>
           </a:p>
         </p:txBody>
       </p:sp>
@@ -654,6 +654,28 @@
           <a:bodyPr/>
           <a:lstStyle/>
           <a:p>
+            <a:pPr marL="171450" indent="-171450">
+              <a:buFont typeface="Arial" charset="0"/>
+              <a:buChar char="•"/>
+            </a:pPr>
+            <a:r>
+              <a:rPr lang="en-US" dirty="0" smtClean="0"/>
+              <a:t>RDS Instance Types lag EC2 Instance Types</a:t>
+            </a:r>
+          </a:p>
+          <a:p>
+            <a:pPr marL="628650" lvl="1" indent="-171450">
+              <a:buFont typeface="Arial" charset="0"/>
+              <a:buChar char="•"/>
+            </a:pPr>
+            <a:r>
+              <a:rPr lang="en-US" dirty="0" smtClean="0"/>
+              <a:t>Meaning an EC2 Instance Type may be available but</a:t>
+            </a:r>
+            <a:r>
+              <a:rPr lang="en-US" baseline="0" dirty="0" smtClean="0"/>
+              <a:t> a corresponding RDS Instance Type may not be available</a:t>
+            </a:r>
             <a:endParaRPr lang="en-US" dirty="0" smtClean="0"/>
           </a:p>
         </p:txBody>
@@ -787,7 +809,15 @@
             </a:pPr>
             <a:r>
               <a:rPr lang="en-US" baseline="0" dirty="0" smtClean="0"/>
-              <a:t>AWS Claims “little to no downtime” downtime as result of RDS changes (http://</a:t>
+              <a:t>AWS Claims </a:t>
+            </a:r>
+            <a:r>
+              <a:rPr lang="en-US" baseline="0" dirty="0" smtClean="0"/>
+              <a:t>“your availability impact is limited only to the time required for automatic failover to complete” as </a:t>
+            </a:r>
+            <a:r>
+              <a:rPr lang="en-US" baseline="0" dirty="0" smtClean="0"/>
+              <a:t>result of RDS changes (http://</a:t>
             </a:r>
             <a:r>
               <a:rPr lang="en-US" baseline="0" dirty="0" err="1" smtClean="0"/>
@@ -811,11 +841,7 @@
             </a:r>
             <a:r>
               <a:rPr lang="en-US" baseline="0" dirty="0" smtClean="0"/>
-              <a:t>/) - I have been unable to get a </a:t>
-            </a:r>
-            <a:r>
-              <a:rPr lang="en-US" baseline="0" smtClean="0"/>
-              <a:t>definitive answer</a:t>
+              <a:t>/) – but Amazon won’t commit to “No Downtime”</a:t>
             </a:r>
             <a:endParaRPr lang="en-US" dirty="0" smtClean="0"/>
           </a:p>
@@ -901,100 +927,37 @@
           <a:bodyPr/>
           <a:lstStyle/>
           <a:p>
-            <a:pPr marL="0" indent="0">
-              <a:buFont typeface="Arial"/>
-              <a:buNone/>
-            </a:pPr>
-            <a:r>
-              <a:rPr lang="en-US" dirty="0" smtClean="0"/>
-              <a:t>References:</a:t>
-            </a:r>
-          </a:p>
-          <a:p>
             <a:pPr marL="171450" indent="-171450">
               <a:buFont typeface="Arial"/>
               <a:buChar char="•"/>
             </a:pPr>
             <a:r>
-              <a:rPr lang="en-US" dirty="0" smtClean="0"/>
-              <a:t>RDS</a:t>
-            </a:r>
-            <a:r>
               <a:rPr lang="en-US" baseline="0" dirty="0" smtClean="0"/>
-              <a:t> Best Practices: </a:t>
-            </a:r>
-            <a:r>
-              <a:rPr lang="en-US" dirty="0" smtClean="0"/>
-              <a:t>http://</a:t>
-            </a:r>
-            <a:r>
-              <a:rPr lang="en-US" dirty="0" err="1" smtClean="0"/>
-              <a:t>docs.aws.amazon.com</a:t>
-            </a:r>
-            <a:r>
-              <a:rPr lang="en-US" dirty="0" smtClean="0"/>
+              <a:t>AWS RDS SLA: https://</a:t>
+            </a:r>
+            <a:r>
+              <a:rPr lang="en-US" baseline="0" dirty="0" err="1" smtClean="0"/>
+              <a:t>aws.amazon.com</a:t>
+            </a:r>
+            <a:r>
+              <a:rPr lang="en-US" baseline="0" dirty="0" smtClean="0"/>
               <a:t>/</a:t>
             </a:r>
             <a:r>
-              <a:rPr lang="en-US" dirty="0" err="1" smtClean="0"/>
-              <a:t>AmazonRDS</a:t>
-            </a:r>
-            <a:r>
-              <a:rPr lang="en-US" dirty="0" smtClean="0"/>
-              <a:t>/latest/</a:t>
-            </a:r>
-            <a:r>
-              <a:rPr lang="en-US" dirty="0" err="1" smtClean="0"/>
-              <a:t>UserGuide</a:t>
-            </a:r>
-            <a:r>
-              <a:rPr lang="en-US" dirty="0" smtClean="0"/>
+              <a:rPr lang="en-US" baseline="0" dirty="0" err="1" smtClean="0"/>
+              <a:t>rds</a:t>
+            </a:r>
+            <a:r>
+              <a:rPr lang="en-US" baseline="0" dirty="0" smtClean="0"/>
               <a:t>/</a:t>
             </a:r>
             <a:r>
-              <a:rPr lang="en-US" dirty="0" err="1" smtClean="0"/>
-              <a:t>CHAP_BestPractices.html</a:t>
-            </a:r>
-            <a:endParaRPr lang="en-US" dirty="0" smtClean="0"/>
-          </a:p>
-          <a:p>
-            <a:pPr marL="171450" indent="-171450">
-              <a:buFont typeface="Arial"/>
-              <a:buChar char="•"/>
-            </a:pPr>
-            <a:r>
-              <a:rPr lang="en-US" dirty="0" smtClean="0"/>
-              <a:t>Security Best Practices: http://</a:t>
-            </a:r>
-            <a:r>
-              <a:rPr lang="en-US" dirty="0" err="1" smtClean="0"/>
-              <a:t>www.slideshare.net</a:t>
-            </a:r>
-            <a:r>
-              <a:rPr lang="en-US" dirty="0" smtClean="0"/>
+              <a:rPr lang="en-US" baseline="0" dirty="0" err="1" smtClean="0"/>
+              <a:t>sla</a:t>
+            </a:r>
+            <a:r>
+              <a:rPr lang="en-US" baseline="0" dirty="0" smtClean="0"/>
               <a:t>/</a:t>
-            </a:r>
-            <a:r>
-              <a:rPr lang="en-US" dirty="0" err="1" smtClean="0"/>
-              <a:t>AmazonWebServices</a:t>
-            </a:r>
-            <a:r>
-              <a:rPr lang="en-US" dirty="0" smtClean="0"/>
-              <a:t>/amazon-rds-for-mysql-diagnostics-security-and-data-migration-dat302-aws-reinvent-2013</a:t>
-            </a:r>
-          </a:p>
-          <a:p>
-            <a:pPr marL="628650" lvl="1" indent="-171450">
-              <a:buFont typeface="Arial"/>
-              <a:buChar char="•"/>
-            </a:pPr>
-            <a:r>
-              <a:rPr lang="en-US" dirty="0" smtClean="0"/>
-              <a:t>Utilize</a:t>
-            </a:r>
-            <a:r>
-              <a:rPr lang="en-US" baseline="0" dirty="0" smtClean="0"/>
-              <a:t> RDS Encryption – note that I have not worked with RDS Encryption yet</a:t>
             </a:r>
             <a:endParaRPr lang="en-US" dirty="0" smtClean="0"/>
           </a:p>
@@ -1026,7 +989,7 @@
     </p:spTree>
     <p:extLst>
       <p:ext uri="{BB962C8B-B14F-4D97-AF65-F5344CB8AC3E}">
-        <p14:creationId xmlns:p14="http://schemas.microsoft.com/office/powerpoint/2010/main" val="494559740"/>
+        <p14:creationId xmlns:p14="http://schemas.microsoft.com/office/powerpoint/2010/main" val="587999216"/>
       </p:ext>
     </p:extLst>
   </p:cSld>
@@ -1080,13 +1043,13 @@
           <a:bodyPr/>
           <a:lstStyle/>
           <a:p>
+            <a:pPr marL="0" indent="0">
+              <a:buFont typeface="Arial"/>
+              <a:buNone/>
+            </a:pPr>
             <a:r>
               <a:rPr lang="en-US" dirty="0" smtClean="0"/>
-              <a:t>Hands</a:t>
-            </a:r>
-            <a:r>
-              <a:rPr lang="en-US" baseline="0" dirty="0" smtClean="0"/>
-              <a:t> On Exercises consist of multiple files:</a:t>
+              <a:t>References:</a:t>
             </a:r>
           </a:p>
           <a:p>
@@ -1095,48 +1058,44 @@
               <a:buChar char="•"/>
             </a:pPr>
             <a:r>
+              <a:rPr lang="en-US" dirty="0" smtClean="0"/>
+              <a:t>RDS</a:t>
+            </a:r>
+            <a:r>
+              <a:rPr lang="en-US" baseline="0" dirty="0" smtClean="0"/>
+              <a:t> Best Practices: </a:t>
+            </a:r>
+            <a:r>
+              <a:rPr lang="en-US" dirty="0" smtClean="0"/>
+              <a:t>http://</a:t>
+            </a:r>
+            <a:r>
               <a:rPr lang="en-US" dirty="0" err="1" smtClean="0"/>
-              <a:t>rds</a:t>
+              <a:t>docs.aws.amazon.com</a:t>
             </a:r>
             <a:r>
               <a:rPr lang="en-US" dirty="0" smtClean="0"/>
-              <a:t>-create-</a:t>
+              <a:t>/</a:t>
             </a:r>
             <a:r>
               <a:rPr lang="en-US" dirty="0" err="1" smtClean="0"/>
-              <a:t>console.docx</a:t>
-            </a:r>
-            <a:endParaRPr lang="en-US" dirty="0" smtClean="0"/>
-          </a:p>
-          <a:p>
-            <a:pPr marL="171450" marR="0" indent="-171450" algn="l" defTabSz="457200" rtl="0" eaLnBrk="1" fontAlgn="auto" latinLnBrk="0" hangingPunct="1">
-              <a:lnSpc>
-                <a:spcPct val="100000"/>
-              </a:lnSpc>
-              <a:spcBef>
-                <a:spcPts val="0"/>
-              </a:spcBef>
-              <a:spcAft>
-                <a:spcPts val="0"/>
-              </a:spcAft>
-              <a:buClrTx/>
-              <a:buSzTx/>
-              <a:buFont typeface="Arial"/>
-              <a:buChar char="•"/>
-              <a:tabLst/>
-              <a:defRPr/>
-            </a:pPr>
+              <a:t>AmazonRDS</a:t>
+            </a:r>
+            <a:r>
+              <a:rPr lang="en-US" dirty="0" smtClean="0"/>
+              <a:t>/latest/</a:t>
+            </a:r>
             <a:r>
               <a:rPr lang="en-US" dirty="0" err="1" smtClean="0"/>
-              <a:t>rds</a:t>
+              <a:t>UserGuide</a:t>
             </a:r>
             <a:r>
               <a:rPr lang="en-US" dirty="0" smtClean="0"/>
-              <a:t>-snapshot-</a:t>
-            </a:r>
-            <a:r>
-              <a:rPr lang="en-US" smtClean="0"/>
-              <a:t>console.docx</a:t>
+              <a:t>/</a:t>
+            </a:r>
+            <a:r>
+              <a:rPr lang="en-US" dirty="0" err="1" smtClean="0"/>
+              <a:t>CHAP_BestPractices.html</a:t>
             </a:r>
             <a:endParaRPr lang="en-US" dirty="0" smtClean="0"/>
           </a:p>
@@ -1146,16 +1105,38 @@
               <a:buChar char="•"/>
             </a:pPr>
             <a:r>
+              <a:rPr lang="en-US" dirty="0" smtClean="0"/>
+              <a:t>Security Best Practices: http://</a:t>
+            </a:r>
+            <a:r>
               <a:rPr lang="en-US" dirty="0" err="1" smtClean="0"/>
-              <a:t>rds</a:t>
+              <a:t>www.slideshare.net</a:t>
             </a:r>
             <a:r>
               <a:rPr lang="en-US" dirty="0" smtClean="0"/>
-              <a:t>-modify-</a:t>
+              <a:t>/</a:t>
             </a:r>
             <a:r>
               <a:rPr lang="en-US" dirty="0" err="1" smtClean="0"/>
-              <a:t>console.docx</a:t>
+              <a:t>AmazonWebServices</a:t>
+            </a:r>
+            <a:r>
+              <a:rPr lang="en-US" dirty="0" smtClean="0"/>
+              <a:t>/amazon-rds-for-mysql-diagnostics-security-and-data-migration-dat302-aws-reinvent-2013</a:t>
+            </a:r>
+          </a:p>
+          <a:p>
+            <a:pPr marL="628650" lvl="1" indent="-171450">
+              <a:buFont typeface="Arial"/>
+              <a:buChar char="•"/>
+            </a:pPr>
+            <a:r>
+              <a:rPr lang="en-US" dirty="0" smtClean="0"/>
+              <a:t>Utilize</a:t>
+            </a:r>
+            <a:r>
+              <a:rPr lang="en-US" baseline="0" dirty="0" smtClean="0"/>
+              <a:t> RDS Encryption – note that I have not worked with RDS Encryption yet</a:t>
             </a:r>
             <a:endParaRPr lang="en-US" dirty="0" smtClean="0"/>
           </a:p>
@@ -1559,6 +1540,167 @@
             <a:fld id="{BFB43062-714D-1146-A97F-0D45BD9E7BF0}" type="slidenum">
               <a:rPr lang="en-US" smtClean="0"/>
               <a:t>9</a:t>
+            </a:fld>
+            <a:endParaRPr lang="en-US"/>
+          </a:p>
+        </p:txBody>
+      </p:sp>
+    </p:spTree>
+    <p:extLst>
+      <p:ext uri="{BB962C8B-B14F-4D97-AF65-F5344CB8AC3E}">
+        <p14:creationId xmlns:p14="http://schemas.microsoft.com/office/powerpoint/2010/main" val="494559740"/>
+      </p:ext>
+    </p:extLst>
+  </p:cSld>
+  <p:clrMapOvr>
+    <a:masterClrMapping/>
+  </p:clrMapOvr>
+</p:notes>
+</file>
+
+<file path=ppt/notesSlides/notesSlide9.xml><?xml version="1.0" encoding="utf-8"?>
+<p:notes xmlns:a="http://schemas.openxmlformats.org/drawingml/2006/main" xmlns:r="http://schemas.openxmlformats.org/officeDocument/2006/relationships" xmlns:p="http://schemas.openxmlformats.org/presentationml/2006/main">
+  <p:cSld>
+    <p:spTree>
+      <p:nvGrpSpPr>
+        <p:cNvPr id="1" name=""/>
+        <p:cNvGrpSpPr/>
+        <p:nvPr/>
+      </p:nvGrpSpPr>
+      <p:grpSpPr>
+        <a:xfrm>
+          <a:off x="0" y="0"/>
+          <a:ext cx="0" cy="0"/>
+          <a:chOff x="0" y="0"/>
+          <a:chExt cx="0" cy="0"/>
+        </a:xfrm>
+      </p:grpSpPr>
+      <p:sp>
+        <p:nvSpPr>
+          <p:cNvPr id="2" name="Slide Image Placeholder 1"/>
+          <p:cNvSpPr>
+            <a:spLocks noGrp="1" noRot="1" noChangeAspect="1"/>
+          </p:cNvSpPr>
+          <p:nvPr>
+            <p:ph type="sldImg"/>
+          </p:nvPr>
+        </p:nvSpPr>
+        <p:spPr/>
+      </p:sp>
+      <p:sp>
+        <p:nvSpPr>
+          <p:cNvPr id="3" name="Notes Placeholder 2"/>
+          <p:cNvSpPr>
+            <a:spLocks noGrp="1"/>
+          </p:cNvSpPr>
+          <p:nvPr>
+            <p:ph type="body" idx="1"/>
+          </p:nvPr>
+        </p:nvSpPr>
+        <p:spPr/>
+        <p:txBody>
+          <a:bodyPr/>
+          <a:lstStyle/>
+          <a:p>
+            <a:r>
+              <a:rPr lang="en-US" dirty="0" smtClean="0"/>
+              <a:t>Labs</a:t>
+            </a:r>
+            <a:r>
+              <a:rPr lang="en-US" baseline="0" dirty="0" smtClean="0"/>
+              <a:t> Exercises consist of multiple files:</a:t>
+            </a:r>
+          </a:p>
+          <a:p>
+            <a:pPr marL="171450" indent="-171450">
+              <a:buFont typeface="Arial"/>
+              <a:buChar char="•"/>
+            </a:pPr>
+            <a:r>
+              <a:rPr lang="en-US" dirty="0" err="1" smtClean="0"/>
+              <a:t>rds</a:t>
+            </a:r>
+            <a:r>
+              <a:rPr lang="en-US" dirty="0" smtClean="0"/>
+              <a:t>-create-</a:t>
+            </a:r>
+            <a:r>
+              <a:rPr lang="en-US" dirty="0" err="1" smtClean="0"/>
+              <a:t>console.docx</a:t>
+            </a:r>
+            <a:endParaRPr lang="en-US" dirty="0" smtClean="0"/>
+          </a:p>
+          <a:p>
+            <a:pPr marL="171450" marR="0" indent="-171450" algn="l" defTabSz="457200" rtl="0" eaLnBrk="1" fontAlgn="auto" latinLnBrk="0" hangingPunct="1">
+              <a:lnSpc>
+                <a:spcPct val="100000"/>
+              </a:lnSpc>
+              <a:spcBef>
+                <a:spcPts val="0"/>
+              </a:spcBef>
+              <a:spcAft>
+                <a:spcPts val="0"/>
+              </a:spcAft>
+              <a:buClrTx/>
+              <a:buSzTx/>
+              <a:buFont typeface="Arial"/>
+              <a:buChar char="•"/>
+              <a:tabLst/>
+              <a:defRPr/>
+            </a:pPr>
+            <a:r>
+              <a:rPr lang="en-US" dirty="0" err="1" smtClean="0"/>
+              <a:t>rds</a:t>
+            </a:r>
+            <a:r>
+              <a:rPr lang="en-US" dirty="0" smtClean="0"/>
+              <a:t>-snapshot-</a:t>
+            </a:r>
+            <a:r>
+              <a:rPr lang="en-US" dirty="0" err="1" smtClean="0"/>
+              <a:t>console.docx</a:t>
+            </a:r>
+            <a:endParaRPr lang="en-US" dirty="0" smtClean="0"/>
+          </a:p>
+          <a:p>
+            <a:pPr marL="171450" indent="-171450">
+              <a:buFont typeface="Arial"/>
+              <a:buChar char="•"/>
+            </a:pPr>
+            <a:r>
+              <a:rPr lang="en-US" dirty="0" err="1" smtClean="0"/>
+              <a:t>rds</a:t>
+            </a:r>
+            <a:r>
+              <a:rPr lang="en-US" dirty="0" smtClean="0"/>
+              <a:t>-modify-</a:t>
+            </a:r>
+            <a:r>
+              <a:rPr lang="en-US" dirty="0" err="1" smtClean="0"/>
+              <a:t>console.docx</a:t>
+            </a:r>
+            <a:endParaRPr lang="en-US" dirty="0" smtClean="0"/>
+          </a:p>
+        </p:txBody>
+      </p:sp>
+      <p:sp>
+        <p:nvSpPr>
+          <p:cNvPr id="4" name="Slide Number Placeholder 3"/>
+          <p:cNvSpPr>
+            <a:spLocks noGrp="1"/>
+          </p:cNvSpPr>
+          <p:nvPr>
+            <p:ph type="sldNum" sz="quarter" idx="10"/>
+          </p:nvPr>
+        </p:nvSpPr>
+        <p:spPr/>
+        <p:txBody>
+          <a:bodyPr/>
+          <a:lstStyle/>
+          <a:p>
+            <a:fld id="{BFB43062-714D-1146-A97F-0D45BD9E7BF0}" type="slidenum">
+              <a:rPr lang="en-US" smtClean="0"/>
+              <a:t>10</a:t>
             </a:fld>
             <a:endParaRPr lang="en-US"/>
           </a:p>
@@ -3389,7 +3531,7 @@
           <a:p>
             <a:fld id="{7CE38E4D-051A-41E1-86A4-E56916468FD0}" type="datetimeFigureOut">
               <a:rPr lang="en-US" smtClean="0"/>
-              <a:t>11/22/15</a:t>
+              <a:t>12/2/15</a:t>
             </a:fld>
             <a:endParaRPr lang="en-US"/>
           </a:p>
@@ -3570,7 +3712,7 @@
           <a:p>
             <a:fld id="{7CE38E4D-051A-41E1-86A4-E56916468FD0}" type="datetimeFigureOut">
               <a:rPr lang="en-US" smtClean="0"/>
-              <a:t>11/22/15</a:t>
+              <a:t>12/2/15</a:t>
             </a:fld>
             <a:endParaRPr lang="en-US"/>
           </a:p>
@@ -3721,7 +3863,7 @@
           <a:p>
             <a:fld id="{7CE38E4D-051A-41E1-86A4-E56916468FD0}" type="datetimeFigureOut">
               <a:rPr lang="en-US" smtClean="0"/>
-              <a:t>11/22/15</a:t>
+              <a:t>12/2/15</a:t>
             </a:fld>
             <a:endParaRPr lang="en-US"/>
           </a:p>
@@ -5547,7 +5689,7 @@
           <a:p>
             <a:fld id="{7CE38E4D-051A-41E1-86A4-E56916468FD0}" type="datetimeFigureOut">
               <a:rPr lang="en-US" smtClean="0"/>
-              <a:t>11/22/15</a:t>
+              <a:t>12/2/15</a:t>
             </a:fld>
             <a:endParaRPr lang="en-US"/>
           </a:p>
@@ -7417,7 +7559,7 @@
           <a:p>
             <a:fld id="{7CE38E4D-051A-41E1-86A4-E56916468FD0}" type="datetimeFigureOut">
               <a:rPr lang="en-US" smtClean="0"/>
-              <a:t>11/22/15</a:t>
+              <a:t>12/2/15</a:t>
             </a:fld>
             <a:endParaRPr lang="en-US"/>
           </a:p>
@@ -7530,7 +7672,7 @@
           <a:p>
             <a:fld id="{7CE38E4D-051A-41E1-86A4-E56916468FD0}" type="datetimeFigureOut">
               <a:rPr lang="en-US" smtClean="0"/>
-              <a:t>11/22/15</a:t>
+              <a:t>12/2/15</a:t>
             </a:fld>
             <a:endParaRPr lang="en-US"/>
           </a:p>
@@ -8071,7 +8213,7 @@
           <a:p>
             <a:fld id="{7CE38E4D-051A-41E1-86A4-E56916468FD0}" type="datetimeFigureOut">
               <a:rPr lang="en-US" smtClean="0"/>
-              <a:t>11/22/15</a:t>
+              <a:t>12/2/15</a:t>
             </a:fld>
             <a:endParaRPr lang="en-US"/>
           </a:p>
@@ -8184,7 +8326,7 @@
           <a:p>
             <a:fld id="{7CE38E4D-051A-41E1-86A4-E56916468FD0}" type="datetimeFigureOut">
               <a:rPr lang="en-US" smtClean="0"/>
-              <a:t>11/22/15</a:t>
+              <a:t>12/2/15</a:t>
             </a:fld>
             <a:endParaRPr lang="en-US"/>
           </a:p>
@@ -9895,7 +10037,7 @@
           <a:p>
             <a:fld id="{7CE38E4D-051A-41E1-86A4-E56916468FD0}" type="datetimeFigureOut">
               <a:rPr lang="en-US" smtClean="0"/>
-              <a:t>11/22/15</a:t>
+              <a:t>12/2/15</a:t>
             </a:fld>
             <a:endParaRPr lang="en-US"/>
           </a:p>
@@ -10046,7 +10188,7 @@
           <a:p>
             <a:fld id="{7CE38E4D-051A-41E1-86A4-E56916468FD0}" type="datetimeFigureOut">
               <a:rPr lang="en-US" smtClean="0"/>
-              <a:t>11/22/15</a:t>
+              <a:t>12/2/15</a:t>
             </a:fld>
             <a:endParaRPr lang="en-US"/>
           </a:p>
@@ -13661,7 +13803,7 @@
           <a:p>
             <a:fld id="{7CE38E4D-051A-41E1-86A4-E56916468FD0}" type="datetimeFigureOut">
               <a:rPr lang="en-US" smtClean="0"/>
-              <a:t>11/22/15</a:t>
+              <a:t>12/2/15</a:t>
             </a:fld>
             <a:endParaRPr lang="en-US"/>
           </a:p>
@@ -15520,7 +15662,7 @@
           <a:p>
             <a:fld id="{7CE38E4D-051A-41E1-86A4-E56916468FD0}" type="datetimeFigureOut">
               <a:rPr lang="en-US" smtClean="0"/>
-              <a:t>11/22/15</a:t>
+              <a:t>12/2/15</a:t>
             </a:fld>
             <a:endParaRPr lang="en-US"/>
           </a:p>
@@ -16128,7 +16270,7 @@
 </p:sld>
 </file>
 
-<file path=ppt/slides/slide2.xml><?xml version="1.0" encoding="utf-8"?>
+<file path=ppt/slides/slide10.xml><?xml version="1.0" encoding="utf-8"?>
 <p:sld xmlns:a="http://schemas.openxmlformats.org/drawingml/2006/main" xmlns:r="http://schemas.openxmlformats.org/officeDocument/2006/relationships" xmlns:p="http://schemas.openxmlformats.org/presentationml/2006/main">
   <p:cSld>
     <p:spTree>
@@ -16162,6 +16304,135 @@
           </a:bodyPr>
           <a:lstStyle/>
           <a:p>
+            <a:pPr marL="0" indent="0">
+              <a:buNone/>
+            </a:pPr>
+            <a:r>
+              <a:rPr lang="en-US" dirty="0" smtClean="0"/>
+              <a:t>We will:</a:t>
+            </a:r>
+          </a:p>
+          <a:p>
+            <a:r>
+              <a:rPr lang="en-US" dirty="0" smtClean="0"/>
+              <a:t>Create a Security Group for our RDS Instance</a:t>
+            </a:r>
+          </a:p>
+          <a:p>
+            <a:r>
+              <a:rPr lang="en-US" dirty="0" smtClean="0"/>
+              <a:t>Create an RDS Instance</a:t>
+            </a:r>
+          </a:p>
+          <a:p>
+            <a:r>
+              <a:rPr lang="en-US" dirty="0"/>
+              <a:t>Snapshot our RDS </a:t>
+            </a:r>
+            <a:r>
+              <a:rPr lang="en-US" dirty="0" smtClean="0"/>
+              <a:t>Instance</a:t>
+            </a:r>
+          </a:p>
+          <a:p>
+            <a:r>
+              <a:rPr lang="en-US" dirty="0" smtClean="0"/>
+              <a:t>Change a Parameter Value (</a:t>
+            </a:r>
+            <a:r>
+              <a:rPr lang="en-US" dirty="0" err="1" smtClean="0"/>
+              <a:t>max_connections</a:t>
+            </a:r>
+            <a:r>
+              <a:rPr lang="en-US" dirty="0" smtClean="0"/>
+              <a:t>) used by our RDS Instance</a:t>
+            </a:r>
+          </a:p>
+          <a:p>
+            <a:r>
+              <a:rPr lang="en-US" dirty="0" smtClean="0"/>
+              <a:t>Modify the Storage, CPU parameters of our RDS Instance</a:t>
+            </a:r>
+          </a:p>
+        </p:txBody>
+      </p:sp>
+      <p:sp>
+        <p:nvSpPr>
+          <p:cNvPr id="2" name="Title 1"/>
+          <p:cNvSpPr>
+            <a:spLocks noGrp="1"/>
+          </p:cNvSpPr>
+          <p:nvPr>
+            <p:ph type="title"/>
+          </p:nvPr>
+        </p:nvSpPr>
+        <p:spPr/>
+        <p:txBody>
+          <a:bodyPr/>
+          <a:lstStyle/>
+          <a:p>
+            <a:r>
+              <a:rPr lang="en-US" dirty="0" smtClean="0"/>
+              <a:t>Labs: Create an RDS Instance</a:t>
+            </a:r>
+            <a:endParaRPr lang="en-US" dirty="0"/>
+          </a:p>
+        </p:txBody>
+      </p:sp>
+    </p:spTree>
+    <p:extLst>
+      <p:ext uri="{BB962C8B-B14F-4D97-AF65-F5344CB8AC3E}">
+        <p14:creationId xmlns:p14="http://schemas.microsoft.com/office/powerpoint/2010/main" val="826232483"/>
+      </p:ext>
+    </p:extLst>
+  </p:cSld>
+  <p:clrMapOvr>
+    <a:masterClrMapping/>
+  </p:clrMapOvr>
+  <p:timing>
+    <p:tnLst>
+      <p:par>
+        <p:cTn id="1" dur="indefinite" restart="never" nodeType="tmRoot"/>
+      </p:par>
+    </p:tnLst>
+  </p:timing>
+</p:sld>
+</file>
+
+<file path=ppt/slides/slide2.xml><?xml version="1.0" encoding="utf-8"?>
+<p:sld xmlns:a="http://schemas.openxmlformats.org/drawingml/2006/main" xmlns:r="http://schemas.openxmlformats.org/officeDocument/2006/relationships" xmlns:p="http://schemas.openxmlformats.org/presentationml/2006/main">
+  <p:cSld>
+    <p:spTree>
+      <p:nvGrpSpPr>
+        <p:cNvPr id="1" name=""/>
+        <p:cNvGrpSpPr/>
+        <p:nvPr/>
+      </p:nvGrpSpPr>
+      <p:grpSpPr>
+        <a:xfrm>
+          <a:off x="0" y="0"/>
+          <a:ext cx="0" cy="0"/>
+          <a:chOff x="0" y="0"/>
+          <a:chExt cx="0" cy="0"/>
+        </a:xfrm>
+      </p:grpSpPr>
+      <p:sp>
+        <p:nvSpPr>
+          <p:cNvPr id="3" name="Content Placeholder 2"/>
+          <p:cNvSpPr>
+            <a:spLocks noGrp="1"/>
+          </p:cNvSpPr>
+          <p:nvPr>
+            <p:ph idx="1"/>
+          </p:nvPr>
+        </p:nvSpPr>
+        <p:spPr/>
+        <p:txBody>
+          <a:bodyPr>
+            <a:normAutofit lnSpcReduction="10000"/>
+          </a:bodyPr>
+          <a:lstStyle/>
+          <a:p>
             <a:r>
               <a:rPr lang="en-US" dirty="0" smtClean="0"/>
               <a:t>Hosted SQL Database</a:t>
@@ -16171,21 +16442,37 @@
             <a:pPr lvl="1"/>
             <a:r>
               <a:rPr lang="en-US" dirty="0" smtClean="0"/>
-              <a:t>Aurora, MySQL, </a:t>
-            </a:r>
-            <a:r>
-              <a:rPr lang="en-US" dirty="0" err="1" smtClean="0"/>
-              <a:t>PostgreSQL</a:t>
+              <a:t>Aurora, </a:t>
+            </a:r>
+            <a:r>
+              <a:rPr lang="en-US" dirty="0" err="1"/>
+              <a:t>MariaDB</a:t>
+            </a:r>
+            <a:r>
+              <a:rPr lang="en-US" dirty="0"/>
+              <a:t>, Microsoft </a:t>
             </a:r>
             <a:r>
               <a:rPr lang="en-US" dirty="0" smtClean="0"/>
-              <a:t>, Oracle or Microsoft SQL</a:t>
-            </a:r>
-          </a:p>
-          <a:p>
+              <a:t>SQL, MySQL</a:t>
+            </a:r>
+            <a:r>
+              <a:rPr lang="en-US" dirty="0" smtClean="0"/>
+              <a:t>, </a:t>
+            </a:r>
+            <a:r>
+              <a:rPr lang="en-US" dirty="0" smtClean="0"/>
+              <a:t>PostgreSQL or Oracle</a:t>
+            </a:r>
+          </a:p>
+          <a:p>
+            <a:r>
+              <a:rPr lang="en-US" dirty="0" smtClean="0"/>
+              <a:t>Available </a:t>
+            </a:r>
             <a:r>
               <a:rPr lang="en-US" dirty="0"/>
-              <a:t>Available in Multi-AZ </a:t>
+              <a:t>in Multi-AZ </a:t>
             </a:r>
             <a:r>
               <a:rPr lang="en-US" dirty="0" smtClean="0"/>
@@ -16233,11 +16520,7 @@
             <a:pPr lvl="1"/>
             <a:r>
               <a:rPr lang="en-US" dirty="0" smtClean="0"/>
-              <a:t>Up to </a:t>
-            </a:r>
-            <a:r>
-              <a:rPr lang="en-US" dirty="0" smtClean="0"/>
-              <a:t>30,000 IOPS</a:t>
+              <a:t>Up to 30,000 IOPS</a:t>
             </a:r>
             <a:endParaRPr lang="en-US" dirty="0"/>
           </a:p>
@@ -16337,28 +16620,26 @@
           <a:p>
             <a:r>
               <a:rPr lang="en-US" dirty="0" smtClean="0"/>
-              <a:t>Scale CPU and Storage </a:t>
-            </a:r>
-            <a:r>
-              <a:rPr lang="en-US" dirty="0"/>
-              <a:t>E</a:t>
-            </a:r>
+              <a:t>Scale CPU and Storage Easily</a:t>
+            </a:r>
+          </a:p>
+          <a:p>
             <a:r>
               <a:rPr lang="en-US" dirty="0" smtClean="0"/>
-              <a:t>asily</a:t>
-            </a:r>
+              <a:t>Easily Available Read-Replica Database Servers</a:t>
+            </a:r>
+            <a:endParaRPr lang="en-US" dirty="0" smtClean="0"/>
           </a:p>
           <a:p>
             <a:r>
               <a:rPr lang="en-US" dirty="0" smtClean="0"/>
-              <a:t>Read-Replicas</a:t>
-            </a:r>
-          </a:p>
-          <a:p>
+              <a:t>Multi-AZ Offering: solve challenging problem of multi-AZ </a:t>
+            </a:r>
             <a:r>
               <a:rPr lang="en-US" dirty="0" smtClean="0"/>
-              <a:t>Multi-AZ: solve challenging problem of multi-AZ database</a:t>
-            </a:r>
+              <a:t>storage</a:t>
+            </a:r>
+            <a:endParaRPr lang="en-US" dirty="0" smtClean="0"/>
           </a:p>
           <a:p>
             <a:endParaRPr lang="en-US" dirty="0" smtClean="0"/>
@@ -16441,7 +16722,7 @@
         <p:spPr/>
         <p:txBody>
           <a:bodyPr>
-            <a:normAutofit/>
+            <a:normAutofit fontScale="92500" lnSpcReduction="10000"/>
           </a:bodyPr>
           <a:lstStyle/>
           <a:p>
@@ -16468,31 +16749,32 @@
           <a:p>
             <a:r>
               <a:rPr lang="en-US" dirty="0" smtClean="0"/>
-              <a:t>Multi-AZ configuration issues</a:t>
+              <a:t>Occasional issues with Multi-AZ</a:t>
             </a:r>
           </a:p>
           <a:p>
             <a:r>
               <a:rPr lang="en-US" dirty="0" smtClean="0"/>
-              <a:t>AWS vague on downtime as result of modifications</a:t>
-            </a:r>
-          </a:p>
-          <a:p>
+              <a:t>AWS </a:t>
+            </a:r>
             <a:r>
               <a:rPr lang="en-US" dirty="0" smtClean="0"/>
-              <a:t>Not all configuration parameters are Exposed</a:t>
+              <a:t>vague on downtime as result of storage space and CPU modifications</a:t>
+            </a:r>
+          </a:p>
+          <a:p>
+            <a:r>
+              <a:rPr lang="en-US" dirty="0" smtClean="0"/>
+              <a:t>Not all SQL configuration parameters are Exposed</a:t>
             </a:r>
             <a:endParaRPr lang="en-US" dirty="0"/>
           </a:p>
           <a:p>
             <a:r>
               <a:rPr lang="en-US" dirty="0" smtClean="0"/>
-              <a:t>No </a:t>
-            </a:r>
-            <a:r>
-              <a:rPr lang="en-US" dirty="0"/>
-              <a:t>SSH into an RDS Server</a:t>
-            </a:r>
+              <a:t>Not all database server configuration options are available</a:t>
+            </a:r>
+            <a:endParaRPr lang="en-US" dirty="0"/>
           </a:p>
           <a:p>
             <a:r>
@@ -16579,70 +16861,69 @@
         <p:spPr/>
         <p:txBody>
           <a:bodyPr>
-            <a:normAutofit fontScale="92500"/>
+            <a:normAutofit fontScale="92500" lnSpcReduction="20000"/>
           </a:bodyPr>
           <a:lstStyle/>
           <a:p>
             <a:r>
               <a:rPr lang="en-US" dirty="0" smtClean="0"/>
-              <a:t>Do not rely on Automatic Backups</a:t>
-            </a:r>
+              <a:t>AWS RDS is Pay as You Go</a:t>
+            </a:r>
+          </a:p>
+          <a:p>
+            <a:r>
+              <a:rPr lang="en-US" dirty="0"/>
+              <a:t>AWS RDS in Multi-AZ configuration is 2x cost of Single-AZ </a:t>
+            </a:r>
+            <a:endParaRPr lang="en-US" dirty="0" smtClean="0"/>
           </a:p>
           <a:p>
             <a:r>
               <a:rPr lang="en-US" dirty="0" smtClean="0"/>
-              <a:t>Manually set Backup and Maintenance Windows</a:t>
-            </a:r>
-          </a:p>
-          <a:p>
+              <a:t>AWS RDS offers Provisioned IOPS </a:t>
+            </a:r>
+            <a:r>
+              <a:rPr lang="en-US" smtClean="0"/>
+              <a:t>for </a:t>
+            </a:r>
+            <a:endParaRPr lang="en-US" dirty="0" smtClean="0"/>
+          </a:p>
+          <a:p>
+            <a:r>
+              <a:rPr lang="en-US" dirty="0"/>
+              <a:t>AWS RDS offers Reserved Instances, with the following payment plans:</a:t>
+            </a:r>
+          </a:p>
+          <a:p>
+            <a:pPr lvl="1"/>
+            <a:r>
+              <a:rPr lang="en-US" dirty="0"/>
+              <a:t>No Up Front</a:t>
+            </a:r>
+          </a:p>
+          <a:p>
+            <a:pPr lvl="1"/>
+            <a:r>
+              <a:rPr lang="en-US" dirty="0"/>
+              <a:t>Partial Up Front</a:t>
+            </a:r>
+          </a:p>
+          <a:p>
+            <a:pPr lvl="1"/>
+            <a:r>
+              <a:rPr lang="en-US" dirty="0"/>
+              <a:t>Full Up </a:t>
+            </a:r>
             <a:r>
               <a:rPr lang="en-US" dirty="0" smtClean="0"/>
-              <a:t>Supplement </a:t>
-            </a:r>
-            <a:r>
-              <a:rPr lang="en-US" dirty="0" err="1" smtClean="0"/>
-              <a:t>CloudWatch</a:t>
-            </a:r>
+              <a:t>Front</a:t>
+            </a:r>
+          </a:p>
+          <a:p>
             <a:r>
               <a:rPr lang="en-US" dirty="0" smtClean="0"/>
-              <a:t> monitoring</a:t>
-            </a:r>
-          </a:p>
-          <a:p>
-            <a:r>
-              <a:rPr lang="en-US" dirty="0" smtClean="0"/>
-              <a:t>1 to 1 relationship between RDS and Parameter Groups</a:t>
-            </a:r>
-          </a:p>
-          <a:p>
-            <a:r>
-              <a:rPr lang="en-US" dirty="0" smtClean="0"/>
-              <a:t>Security Best Practices:</a:t>
-            </a:r>
-          </a:p>
-          <a:p>
-            <a:pPr lvl="1"/>
-            <a:r>
-              <a:rPr lang="en-US" dirty="0" smtClean="0"/>
-              <a:t>Provide database with own security group</a:t>
-            </a:r>
-          </a:p>
-          <a:p>
-            <a:pPr lvl="1"/>
-            <a:r>
-              <a:rPr lang="en-US" dirty="0" smtClean="0"/>
-              <a:t>Private database IP address</a:t>
-            </a:r>
-          </a:p>
-          <a:p>
-            <a:pPr lvl="1"/>
-            <a:r>
-              <a:rPr lang="en-US" dirty="0" smtClean="0"/>
-              <a:t>Utilize RDS Encryption, per AWS</a:t>
-            </a:r>
-          </a:p>
-          <a:p>
-            <a:pPr lvl="1"/>
+              <a:t>AWS RDS SLA will provide a service credit if a given RDS database was less than 99.95% available during a given month</a:t>
+            </a:r>
             <a:endParaRPr lang="en-US" dirty="0" smtClean="0"/>
           </a:p>
         </p:txBody>
@@ -16664,7 +16945,11 @@
           <a:p>
             <a:r>
               <a:rPr lang="en-US" dirty="0" smtClean="0"/>
-              <a:t>RDS: Best Practices</a:t>
+              <a:t>RDS: </a:t>
+            </a:r>
+            <a:r>
+              <a:rPr lang="en-US" dirty="0" smtClean="0"/>
+              <a:t>Costs</a:t>
             </a:r>
             <a:endParaRPr lang="en-US" dirty="0"/>
           </a:p>
@@ -16673,7 +16958,7 @@
     </p:spTree>
     <p:extLst>
       <p:ext uri="{BB962C8B-B14F-4D97-AF65-F5344CB8AC3E}">
-        <p14:creationId xmlns:p14="http://schemas.microsoft.com/office/powerpoint/2010/main" val="1632356074"/>
+        <p14:creationId xmlns:p14="http://schemas.microsoft.com/office/powerpoint/2010/main" val="901602464"/>
       </p:ext>
     </p:extLst>
   </p:cSld>
@@ -16720,59 +17005,95 @@
         <p:spPr/>
         <p:txBody>
           <a:bodyPr>
-            <a:normAutofit/>
+            <a:normAutofit fontScale="92500" lnSpcReduction="20000"/>
           </a:bodyPr>
           <a:lstStyle/>
           <a:p>
-            <a:pPr marL="0" indent="0">
-              <a:buNone/>
-            </a:pPr>
             <a:r>
               <a:rPr lang="en-US" dirty="0" smtClean="0"/>
-              <a:t>We will:</a:t>
-            </a:r>
-          </a:p>
-          <a:p>
+              <a:t>Do not rely on Automatic </a:t>
+            </a:r>
             <a:r>
               <a:rPr lang="en-US" dirty="0" smtClean="0"/>
-              <a:t>Create a Security Group for our RDS Instance</a:t>
-            </a:r>
-          </a:p>
-          <a:p>
+              <a:t>Backups for DR</a:t>
+            </a:r>
+            <a:endParaRPr lang="en-US" dirty="0" smtClean="0"/>
+          </a:p>
+          <a:p>
+            <a:pPr lvl="1"/>
             <a:r>
               <a:rPr lang="en-US" dirty="0" smtClean="0"/>
-              <a:t>Create an RDS Instance</a:t>
-            </a:r>
-          </a:p>
-          <a:p>
-            <a:r>
-              <a:rPr lang="en-US" dirty="0"/>
-              <a:t>Snapshot our RDS </a:t>
-            </a:r>
+              <a:t>Automate the creation of Manual Backups</a:t>
+            </a:r>
+          </a:p>
+          <a:p>
             <a:r>
               <a:rPr lang="en-US" dirty="0" smtClean="0"/>
-              <a:t>Instance</a:t>
+              <a:t>Manually set Backup and Maintenance Windows</a:t>
             </a:r>
           </a:p>
           <a:p>
             <a:r>
               <a:rPr lang="en-US" dirty="0" smtClean="0"/>
-              <a:t>Change a Parameter Value (</a:t>
+              <a:t>Supplement </a:t>
             </a:r>
             <a:r>
               <a:rPr lang="en-US" dirty="0" err="1" smtClean="0"/>
-              <a:t>max_connections</a:t>
+              <a:t>CloudWatch</a:t>
             </a:r>
             <a:r>
               <a:rPr lang="en-US" dirty="0" smtClean="0"/>
-              <a:t>) used by our RDS Instance</a:t>
+              <a:t> monitoring</a:t>
             </a:r>
           </a:p>
           <a:p>
             <a:r>
               <a:rPr lang="en-US" dirty="0" smtClean="0"/>
-              <a:t>Modify the Storage, CPU parameters of our RDS Instance</a:t>
-            </a:r>
+              <a:t>Use a 1 </a:t>
+            </a:r>
+            <a:r>
+              <a:rPr lang="en-US" dirty="0" smtClean="0"/>
+              <a:t>to 1 relationship between RDS and Parameter Groups</a:t>
+            </a:r>
+          </a:p>
+          <a:p>
+            <a:r>
+              <a:rPr lang="en-US" dirty="0" smtClean="0"/>
+              <a:t>Security Best Practices:</a:t>
+            </a:r>
+          </a:p>
+          <a:p>
+            <a:pPr lvl="1"/>
+            <a:r>
+              <a:rPr lang="en-US" dirty="0" smtClean="0"/>
+              <a:t>Provide database with own security group</a:t>
+            </a:r>
+          </a:p>
+          <a:p>
+            <a:pPr lvl="1"/>
+            <a:r>
+              <a:rPr lang="en-US" dirty="0" smtClean="0"/>
+              <a:t>Use </a:t>
+            </a:r>
+            <a:r>
+              <a:rPr lang="en-US" dirty="0" smtClean="0"/>
+              <a:t>VPC and Private </a:t>
+            </a:r>
+            <a:r>
+              <a:rPr lang="en-US" dirty="0" smtClean="0"/>
+              <a:t>database IP addresses</a:t>
+            </a:r>
+          </a:p>
+          <a:p>
+            <a:pPr lvl="1"/>
+            <a:r>
+              <a:rPr lang="en-US" dirty="0" smtClean="0"/>
+              <a:t>Utilize RDS Encryption, per AWS</a:t>
+            </a:r>
+          </a:p>
+          <a:p>
+            <a:pPr lvl="1"/>
+            <a:endParaRPr lang="en-US" dirty="0" smtClean="0"/>
           </a:p>
         </p:txBody>
       </p:sp>
@@ -16793,7 +17114,7 @@
           <a:p>
             <a:r>
               <a:rPr lang="en-US" dirty="0" smtClean="0"/>
-              <a:t>Hands On: Create an RDS Instance</a:t>
+              <a:t>RDS: Best Practices</a:t>
             </a:r>
             <a:endParaRPr lang="en-US" dirty="0"/>
           </a:p>
@@ -16802,7 +17123,7 @@
     </p:spTree>
     <p:extLst>
       <p:ext uri="{BB962C8B-B14F-4D97-AF65-F5344CB8AC3E}">
-        <p14:creationId xmlns:p14="http://schemas.microsoft.com/office/powerpoint/2010/main" val="826232483"/>
+        <p14:creationId xmlns:p14="http://schemas.microsoft.com/office/powerpoint/2010/main" val="1632356074"/>
       </p:ext>
     </p:extLst>
   </p:cSld>
@@ -16920,7 +17241,15 @@
           <a:p>
             <a:r>
               <a:rPr lang="en-US" dirty="0" smtClean="0"/>
-              <a:t>RDS: Memory Usage</a:t>
+              <a:t>RDS: What is </a:t>
+            </a:r>
+            <a:r>
+              <a:rPr lang="en-US" dirty="0" err="1" smtClean="0"/>
+              <a:t>FreeableMemory</a:t>
+            </a:r>
+            <a:r>
+              <a:rPr lang="en-US" dirty="0" smtClean="0"/>
+              <a:t>?</a:t>
             </a:r>
             <a:endParaRPr lang="en-US" dirty="0"/>
           </a:p>
